--- a/1. Понятие и виды алгоритмов/1. Понятие и виды алгоритмов.pptx
+++ b/1. Понятие и виды алгоритмов/1. Понятие и виды алгоритмов.pptx
@@ -213,7 +213,7 @@
           <a:p>
             <a:fld id="{036B47B5-EF1D-41BD-9CC3-7AD4E8DDF9BA}" type="datetimeFigureOut">
               <a:rPr lang="ru-RU" smtClean="0"/>
-              <a:t>30.01.2022</a:t>
+              <a:t>31.01.2022</a:t>
             </a:fld>
             <a:endParaRPr lang="ru-RU"/>
           </a:p>
@@ -538,7 +538,7 @@
           <a:noFill/>
           <a:extLst>
             <a:ext uri="{909E8E84-426E-40dd-AFC4-6F175D3DCCD1}">
-              <a14:hiddenFill xmlns="" xmlns:a14="http://schemas.microsoft.com/office/drawing/2010/main">
+              <a14:hiddenFill xmlns:a14="http://schemas.microsoft.com/office/drawing/2010/main" xmlns="">
                 <a:solidFill>
                   <a:srgbClr val="FFFFFF"/>
                 </a:solidFill>
@@ -597,7 +597,7 @@
             </a:ln>
             <a:extLst>
               <a:ext uri="{91240B29-F687-4f45-9708-019B960494DF}">
-                <a14:hiddenLine xmlns="" xmlns:a14="http://schemas.microsoft.com/office/drawing/2010/main" w="9525">
+                <a14:hiddenLine xmlns:a14="http://schemas.microsoft.com/office/drawing/2010/main" xmlns="" w="9525">
                   <a:solidFill>
                     <a:srgbClr val="000000"/>
                   </a:solidFill>
@@ -687,7 +687,7 @@
             </a:ln>
             <a:extLst>
               <a:ext uri="{91240B29-F687-4f45-9708-019B960494DF}">
-                <a14:hiddenLine xmlns="" xmlns:a14="http://schemas.microsoft.com/office/drawing/2010/main" w="9525">
+                <a14:hiddenLine xmlns:a14="http://schemas.microsoft.com/office/drawing/2010/main" xmlns="" w="9525">
                   <a:solidFill>
                     <a:srgbClr val="000000"/>
                   </a:solidFill>
@@ -777,7 +777,7 @@
             </a:ln>
             <a:extLst>
               <a:ext uri="{91240B29-F687-4f45-9708-019B960494DF}">
-                <a14:hiddenLine xmlns="" xmlns:a14="http://schemas.microsoft.com/office/drawing/2010/main" w="9525">
+                <a14:hiddenLine xmlns:a14="http://schemas.microsoft.com/office/drawing/2010/main" xmlns="" w="9525">
                   <a:solidFill>
                     <a:srgbClr val="000000"/>
                   </a:solidFill>
@@ -811,7 +811,7 @@
             </a:ln>
             <a:extLst>
               <a:ext uri="{91240B29-F687-4f45-9708-019B960494DF}">
-                <a14:hiddenLine xmlns="" xmlns:a14="http://schemas.microsoft.com/office/drawing/2010/main" w="9525">
+                <a14:hiddenLine xmlns:a14="http://schemas.microsoft.com/office/drawing/2010/main" xmlns="" w="9525">
                   <a:solidFill>
                     <a:srgbClr val="000000"/>
                   </a:solidFill>
@@ -901,7 +901,7 @@
             </a:ln>
             <a:extLst>
               <a:ext uri="{91240B29-F687-4f45-9708-019B960494DF}">
-                <a14:hiddenLine xmlns="" xmlns:a14="http://schemas.microsoft.com/office/drawing/2010/main" w="9525">
+                <a14:hiddenLine xmlns:a14="http://schemas.microsoft.com/office/drawing/2010/main" xmlns="" w="9525">
                   <a:solidFill>
                     <a:srgbClr val="000000"/>
                   </a:solidFill>
@@ -963,7 +963,7 @@
             </a:ln>
             <a:extLst>
               <a:ext uri="{91240B29-F687-4f45-9708-019B960494DF}">
-                <a14:hiddenLine xmlns="" xmlns:a14="http://schemas.microsoft.com/office/drawing/2010/main" w="9525">
+                <a14:hiddenLine xmlns:a14="http://schemas.microsoft.com/office/drawing/2010/main" xmlns="" w="9525">
                   <a:solidFill>
                     <a:srgbClr val="000000"/>
                   </a:solidFill>
@@ -1025,7 +1025,7 @@
             </a:ln>
             <a:extLst>
               <a:ext uri="{91240B29-F687-4f45-9708-019B960494DF}">
-                <a14:hiddenLine xmlns="" xmlns:a14="http://schemas.microsoft.com/office/drawing/2010/main" w="9525">
+                <a14:hiddenLine xmlns:a14="http://schemas.microsoft.com/office/drawing/2010/main" xmlns="" w="9525">
                   <a:solidFill>
                     <a:srgbClr val="000000"/>
                   </a:solidFill>
@@ -1115,7 +1115,7 @@
             </a:ln>
             <a:extLst>
               <a:ext uri="{91240B29-F687-4f45-9708-019B960494DF}">
-                <a14:hiddenLine xmlns="" xmlns:a14="http://schemas.microsoft.com/office/drawing/2010/main" w="9525">
+                <a14:hiddenLine xmlns:a14="http://schemas.microsoft.com/office/drawing/2010/main" xmlns="" w="9525">
                   <a:solidFill>
                     <a:srgbClr val="000000"/>
                   </a:solidFill>
@@ -1177,7 +1177,7 @@
             </a:ln>
             <a:extLst>
               <a:ext uri="{91240B29-F687-4f45-9708-019B960494DF}">
-                <a14:hiddenLine xmlns="" xmlns:a14="http://schemas.microsoft.com/office/drawing/2010/main" w="9525">
+                <a14:hiddenLine xmlns:a14="http://schemas.microsoft.com/office/drawing/2010/main" xmlns="" w="9525">
                   <a:solidFill>
                     <a:srgbClr val="000000"/>
                   </a:solidFill>
@@ -1239,7 +1239,7 @@
             </a:ln>
             <a:extLst>
               <a:ext uri="{91240B29-F687-4f45-9708-019B960494DF}">
-                <a14:hiddenLine xmlns="" xmlns:a14="http://schemas.microsoft.com/office/drawing/2010/main" w="9525">
+                <a14:hiddenLine xmlns:a14="http://schemas.microsoft.com/office/drawing/2010/main" xmlns="" w="9525">
                   <a:solidFill>
                     <a:srgbClr val="000000"/>
                   </a:solidFill>
@@ -1329,7 +1329,7 @@
             </a:ln>
             <a:extLst>
               <a:ext uri="{91240B29-F687-4f45-9708-019B960494DF}">
-                <a14:hiddenLine xmlns="" xmlns:a14="http://schemas.microsoft.com/office/drawing/2010/main" w="9525">
+                <a14:hiddenLine xmlns:a14="http://schemas.microsoft.com/office/drawing/2010/main" xmlns="" w="9525">
                   <a:solidFill>
                     <a:srgbClr val="000000"/>
                   </a:solidFill>
@@ -1419,7 +1419,7 @@
             </a:ln>
             <a:extLst>
               <a:ext uri="{91240B29-F687-4f45-9708-019B960494DF}">
-                <a14:hiddenLine xmlns="" xmlns:a14="http://schemas.microsoft.com/office/drawing/2010/main" w="9525">
+                <a14:hiddenLine xmlns:a14="http://schemas.microsoft.com/office/drawing/2010/main" xmlns="" w="9525">
                   <a:solidFill>
                     <a:srgbClr val="000000"/>
                   </a:solidFill>
@@ -1481,7 +1481,7 @@
             </a:ln>
             <a:extLst>
               <a:ext uri="{91240B29-F687-4f45-9708-019B960494DF}">
-                <a14:hiddenLine xmlns="" xmlns:a14="http://schemas.microsoft.com/office/drawing/2010/main" w="9525">
+                <a14:hiddenLine xmlns:a14="http://schemas.microsoft.com/office/drawing/2010/main" xmlns="" w="9525">
                   <a:solidFill>
                     <a:srgbClr val="000000"/>
                   </a:solidFill>
@@ -1591,7 +1591,7 @@
             </a:ln>
             <a:extLst>
               <a:ext uri="{91240B29-F687-4f45-9708-019B960494DF}">
-                <a14:hiddenLine xmlns="" xmlns:a14="http://schemas.microsoft.com/office/drawing/2010/main" w="9525">
+                <a14:hiddenLine xmlns:a14="http://schemas.microsoft.com/office/drawing/2010/main" xmlns="" w="9525">
                   <a:solidFill>
                     <a:srgbClr val="000000"/>
                   </a:solidFill>
@@ -1653,7 +1653,7 @@
             </a:ln>
             <a:extLst>
               <a:ext uri="{91240B29-F687-4f45-9708-019B960494DF}">
-                <a14:hiddenLine xmlns="" xmlns:a14="http://schemas.microsoft.com/office/drawing/2010/main" w="9525">
+                <a14:hiddenLine xmlns:a14="http://schemas.microsoft.com/office/drawing/2010/main" xmlns="" w="9525">
                   <a:solidFill>
                     <a:srgbClr val="000000"/>
                   </a:solidFill>
@@ -1743,7 +1743,7 @@
             </a:ln>
             <a:extLst>
               <a:ext uri="{91240B29-F687-4f45-9708-019B960494DF}">
-                <a14:hiddenLine xmlns="" xmlns:a14="http://schemas.microsoft.com/office/drawing/2010/main" w="9525">
+                <a14:hiddenLine xmlns:a14="http://schemas.microsoft.com/office/drawing/2010/main" xmlns="" w="9525">
                   <a:solidFill>
                     <a:srgbClr val="000000"/>
                   </a:solidFill>
@@ -1833,7 +1833,7 @@
             </a:ln>
             <a:extLst>
               <a:ext uri="{91240B29-F687-4f45-9708-019B960494DF}">
-                <a14:hiddenLine xmlns="" xmlns:a14="http://schemas.microsoft.com/office/drawing/2010/main" w="9525">
+                <a14:hiddenLine xmlns:a14="http://schemas.microsoft.com/office/drawing/2010/main" xmlns="" w="9525">
                   <a:solidFill>
                     <a:srgbClr val="000000"/>
                   </a:solidFill>
@@ -1895,7 +1895,7 @@
             </a:ln>
             <a:extLst>
               <a:ext uri="{91240B29-F687-4f45-9708-019B960494DF}">
-                <a14:hiddenLine xmlns="" xmlns:a14="http://schemas.microsoft.com/office/drawing/2010/main" w="9525">
+                <a14:hiddenLine xmlns:a14="http://schemas.microsoft.com/office/drawing/2010/main" xmlns="" w="9525">
                   <a:solidFill>
                     <a:srgbClr val="000000"/>
                   </a:solidFill>
@@ -1985,7 +1985,7 @@
             </a:ln>
             <a:extLst>
               <a:ext uri="{91240B29-F687-4f45-9708-019B960494DF}">
-                <a14:hiddenLine xmlns="" xmlns:a14="http://schemas.microsoft.com/office/drawing/2010/main" w="9525">
+                <a14:hiddenLine xmlns:a14="http://schemas.microsoft.com/office/drawing/2010/main" xmlns="" w="9525">
                   <a:solidFill>
                     <a:srgbClr val="000000"/>
                   </a:solidFill>
@@ -2075,7 +2075,7 @@
             </a:ln>
             <a:extLst>
               <a:ext uri="{91240B29-F687-4f45-9708-019B960494DF}">
-                <a14:hiddenLine xmlns="" xmlns:a14="http://schemas.microsoft.com/office/drawing/2010/main" w="9525">
+                <a14:hiddenLine xmlns:a14="http://schemas.microsoft.com/office/drawing/2010/main" xmlns="" w="9525">
                   <a:solidFill>
                     <a:srgbClr val="000000"/>
                   </a:solidFill>
@@ -2131,7 +2131,7 @@
             </a:ln>
             <a:extLst>
               <a:ext uri="{91240B29-F687-4f45-9708-019B960494DF}">
-                <a14:hiddenLine xmlns="" xmlns:a14="http://schemas.microsoft.com/office/drawing/2010/main" w="9525">
+                <a14:hiddenLine xmlns:a14="http://schemas.microsoft.com/office/drawing/2010/main" xmlns="" w="9525">
                   <a:solidFill>
                     <a:srgbClr val="000000"/>
                   </a:solidFill>
@@ -2221,7 +2221,7 @@
             </a:ln>
             <a:extLst>
               <a:ext uri="{91240B29-F687-4f45-9708-019B960494DF}">
-                <a14:hiddenLine xmlns="" xmlns:a14="http://schemas.microsoft.com/office/drawing/2010/main" w="9525">
+                <a14:hiddenLine xmlns:a14="http://schemas.microsoft.com/office/drawing/2010/main" xmlns="" w="9525">
                   <a:solidFill>
                     <a:srgbClr val="000000"/>
                   </a:solidFill>
@@ -2277,7 +2277,7 @@
             </a:ln>
             <a:extLst>
               <a:ext uri="{91240B29-F687-4f45-9708-019B960494DF}">
-                <a14:hiddenLine xmlns="" xmlns:a14="http://schemas.microsoft.com/office/drawing/2010/main" w="9525">
+                <a14:hiddenLine xmlns:a14="http://schemas.microsoft.com/office/drawing/2010/main" xmlns="" w="9525">
                   <a:solidFill>
                     <a:srgbClr val="000000"/>
                   </a:solidFill>
@@ -2367,7 +2367,7 @@
             </a:ln>
             <a:extLst>
               <a:ext uri="{91240B29-F687-4f45-9708-019B960494DF}">
-                <a14:hiddenLine xmlns="" xmlns:a14="http://schemas.microsoft.com/office/drawing/2010/main" w="9525">
+                <a14:hiddenLine xmlns:a14="http://schemas.microsoft.com/office/drawing/2010/main" xmlns="" w="9525">
                   <a:solidFill>
                     <a:srgbClr val="000000"/>
                   </a:solidFill>
@@ -2435,7 +2435,7 @@
             </a:ln>
             <a:extLst>
               <a:ext uri="{91240B29-F687-4f45-9708-019B960494DF}">
-                <a14:hiddenLine xmlns="" xmlns:a14="http://schemas.microsoft.com/office/drawing/2010/main" w="9525">
+                <a14:hiddenLine xmlns:a14="http://schemas.microsoft.com/office/drawing/2010/main" xmlns="" w="9525">
                   <a:solidFill>
                     <a:srgbClr val="000000"/>
                   </a:solidFill>
@@ -2525,7 +2525,7 @@
             </a:ln>
             <a:extLst>
               <a:ext uri="{91240B29-F687-4f45-9708-019B960494DF}">
-                <a14:hiddenLine xmlns="" xmlns:a14="http://schemas.microsoft.com/office/drawing/2010/main" w="9525">
+                <a14:hiddenLine xmlns:a14="http://schemas.microsoft.com/office/drawing/2010/main" xmlns="" w="9525">
                   <a:solidFill>
                     <a:srgbClr val="000000"/>
                   </a:solidFill>
@@ -2593,7 +2593,7 @@
             </a:ln>
             <a:extLst>
               <a:ext uri="{91240B29-F687-4f45-9708-019B960494DF}">
-                <a14:hiddenLine xmlns="" xmlns:a14="http://schemas.microsoft.com/office/drawing/2010/main" w="9525">
+                <a14:hiddenLine xmlns:a14="http://schemas.microsoft.com/office/drawing/2010/main" xmlns="" w="9525">
                   <a:solidFill>
                     <a:srgbClr val="000000"/>
                   </a:solidFill>
@@ -2683,7 +2683,7 @@
             </a:ln>
             <a:extLst>
               <a:ext uri="{91240B29-F687-4f45-9708-019B960494DF}">
-                <a14:hiddenLine xmlns="" xmlns:a14="http://schemas.microsoft.com/office/drawing/2010/main" w="9525">
+                <a14:hiddenLine xmlns:a14="http://schemas.microsoft.com/office/drawing/2010/main" xmlns="" w="9525">
                   <a:solidFill>
                     <a:srgbClr val="000000"/>
                   </a:solidFill>
@@ -2717,7 +2717,7 @@
             </a:ln>
             <a:extLst>
               <a:ext uri="{91240B29-F687-4f45-9708-019B960494DF}">
-                <a14:hiddenLine xmlns="" xmlns:a14="http://schemas.microsoft.com/office/drawing/2010/main" w="9525">
+                <a14:hiddenLine xmlns:a14="http://schemas.microsoft.com/office/drawing/2010/main" xmlns="" w="9525">
                   <a:solidFill>
                     <a:srgbClr val="000000"/>
                   </a:solidFill>
@@ -2807,7 +2807,7 @@
             </a:ln>
             <a:extLst>
               <a:ext uri="{91240B29-F687-4f45-9708-019B960494DF}">
-                <a14:hiddenLine xmlns="" xmlns:a14="http://schemas.microsoft.com/office/drawing/2010/main" w="9525">
+                <a14:hiddenLine xmlns:a14="http://schemas.microsoft.com/office/drawing/2010/main" xmlns="" w="9525">
                   <a:solidFill>
                     <a:srgbClr val="000000"/>
                   </a:solidFill>
@@ -2869,7 +2869,7 @@
             </a:ln>
             <a:extLst>
               <a:ext uri="{91240B29-F687-4f45-9708-019B960494DF}">
-                <a14:hiddenLine xmlns="" xmlns:a14="http://schemas.microsoft.com/office/drawing/2010/main" w="9525">
+                <a14:hiddenLine xmlns:a14="http://schemas.microsoft.com/office/drawing/2010/main" xmlns="" w="9525">
                   <a:solidFill>
                     <a:srgbClr val="000000"/>
                   </a:solidFill>
@@ -2931,7 +2931,7 @@
             </a:ln>
             <a:extLst>
               <a:ext uri="{91240B29-F687-4f45-9708-019B960494DF}">
-                <a14:hiddenLine xmlns="" xmlns:a14="http://schemas.microsoft.com/office/drawing/2010/main" w="9525">
+                <a14:hiddenLine xmlns:a14="http://schemas.microsoft.com/office/drawing/2010/main" xmlns="" w="9525">
                   <a:solidFill>
                     <a:srgbClr val="000000"/>
                   </a:solidFill>
@@ -3021,7 +3021,7 @@
             </a:ln>
             <a:extLst>
               <a:ext uri="{91240B29-F687-4f45-9708-019B960494DF}">
-                <a14:hiddenLine xmlns="" xmlns:a14="http://schemas.microsoft.com/office/drawing/2010/main" w="9525">
+                <a14:hiddenLine xmlns:a14="http://schemas.microsoft.com/office/drawing/2010/main" xmlns="" w="9525">
                   <a:solidFill>
                     <a:srgbClr val="000000"/>
                   </a:solidFill>
@@ -3089,7 +3089,7 @@
             </a:ln>
             <a:extLst>
               <a:ext uri="{91240B29-F687-4f45-9708-019B960494DF}">
-                <a14:hiddenLine xmlns="" xmlns:a14="http://schemas.microsoft.com/office/drawing/2010/main" w="9525">
+                <a14:hiddenLine xmlns:a14="http://schemas.microsoft.com/office/drawing/2010/main" xmlns="" w="9525">
                   <a:solidFill>
                     <a:srgbClr val="000000"/>
                   </a:solidFill>
@@ -3151,7 +3151,7 @@
             </a:ln>
             <a:extLst>
               <a:ext uri="{91240B29-F687-4f45-9708-019B960494DF}">
-                <a14:hiddenLine xmlns="" xmlns:a14="http://schemas.microsoft.com/office/drawing/2010/main" w="9525">
+                <a14:hiddenLine xmlns:a14="http://schemas.microsoft.com/office/drawing/2010/main" xmlns="" w="9525">
                   <a:solidFill>
                     <a:srgbClr val="000000"/>
                   </a:solidFill>
@@ -3241,7 +3241,7 @@
             </a:ln>
             <a:extLst>
               <a:ext uri="{91240B29-F687-4f45-9708-019B960494DF}">
-                <a14:hiddenLine xmlns="" xmlns:a14="http://schemas.microsoft.com/office/drawing/2010/main" w="9525">
+                <a14:hiddenLine xmlns:a14="http://schemas.microsoft.com/office/drawing/2010/main" xmlns="" w="9525">
                   <a:solidFill>
                     <a:srgbClr val="000000"/>
                   </a:solidFill>
@@ -3303,7 +3303,7 @@
             </a:ln>
             <a:extLst>
               <a:ext uri="{91240B29-F687-4f45-9708-019B960494DF}">
-                <a14:hiddenLine xmlns="" xmlns:a14="http://schemas.microsoft.com/office/drawing/2010/main" w="9525">
+                <a14:hiddenLine xmlns:a14="http://schemas.microsoft.com/office/drawing/2010/main" xmlns="" w="9525">
                   <a:solidFill>
                     <a:srgbClr val="000000"/>
                   </a:solidFill>
@@ -3393,7 +3393,7 @@
             </a:ln>
             <a:extLst>
               <a:ext uri="{91240B29-F687-4f45-9708-019B960494DF}">
-                <a14:hiddenLine xmlns="" xmlns:a14="http://schemas.microsoft.com/office/drawing/2010/main" w="9525">
+                <a14:hiddenLine xmlns:a14="http://schemas.microsoft.com/office/drawing/2010/main" xmlns="" w="9525">
                   <a:solidFill>
                     <a:srgbClr val="000000"/>
                   </a:solidFill>
@@ -3455,7 +3455,7 @@
             </a:ln>
             <a:extLst>
               <a:ext uri="{91240B29-F687-4f45-9708-019B960494DF}">
-                <a14:hiddenLine xmlns="" xmlns:a14="http://schemas.microsoft.com/office/drawing/2010/main" w="9525">
+                <a14:hiddenLine xmlns:a14="http://schemas.microsoft.com/office/drawing/2010/main" xmlns="" w="9525">
                   <a:solidFill>
                     <a:srgbClr val="000000"/>
                   </a:solidFill>
@@ -3545,7 +3545,7 @@
             </a:ln>
             <a:extLst>
               <a:ext uri="{91240B29-F687-4f45-9708-019B960494DF}">
-                <a14:hiddenLine xmlns="" xmlns:a14="http://schemas.microsoft.com/office/drawing/2010/main" w="9525">
+                <a14:hiddenLine xmlns:a14="http://schemas.microsoft.com/office/drawing/2010/main" xmlns="" w="9525">
                   <a:solidFill>
                     <a:srgbClr val="000000"/>
                   </a:solidFill>
@@ -3579,7 +3579,7 @@
             </a:ln>
             <a:extLst>
               <a:ext uri="{91240B29-F687-4f45-9708-019B960494DF}">
-                <a14:hiddenLine xmlns="" xmlns:a14="http://schemas.microsoft.com/office/drawing/2010/main" w="9525">
+                <a14:hiddenLine xmlns:a14="http://schemas.microsoft.com/office/drawing/2010/main" xmlns="" w="9525">
                   <a:solidFill>
                     <a:srgbClr val="000000"/>
                   </a:solidFill>
@@ -3644,7 +3644,7 @@
             </a:ln>
             <a:extLst>
               <a:ext uri="{91240B29-F687-4f45-9708-019B960494DF}">
-                <a14:hiddenLine xmlns="" xmlns:a14="http://schemas.microsoft.com/office/drawing/2010/main" w="9525">
+                <a14:hiddenLine xmlns:a14="http://schemas.microsoft.com/office/drawing/2010/main" xmlns="" w="9525">
                   <a:solidFill>
                     <a:srgbClr val="000000"/>
                   </a:solidFill>
@@ -3734,7 +3734,7 @@
             </a:ln>
             <a:extLst>
               <a:ext uri="{91240B29-F687-4f45-9708-019B960494DF}">
-                <a14:hiddenLine xmlns="" xmlns:a14="http://schemas.microsoft.com/office/drawing/2010/main" w="9525">
+                <a14:hiddenLine xmlns:a14="http://schemas.microsoft.com/office/drawing/2010/main" xmlns="" w="9525">
                   <a:solidFill>
                     <a:srgbClr val="000000"/>
                   </a:solidFill>
@@ -3796,7 +3796,7 @@
             </a:ln>
             <a:extLst>
               <a:ext uri="{91240B29-F687-4f45-9708-019B960494DF}">
-                <a14:hiddenLine xmlns="" xmlns:a14="http://schemas.microsoft.com/office/drawing/2010/main" w="9525">
+                <a14:hiddenLine xmlns:a14="http://schemas.microsoft.com/office/drawing/2010/main" xmlns="" w="9525">
                   <a:solidFill>
                     <a:srgbClr val="000000"/>
                   </a:solidFill>
@@ -3886,7 +3886,7 @@
             </a:ln>
             <a:extLst>
               <a:ext uri="{91240B29-F687-4f45-9708-019B960494DF}">
-                <a14:hiddenLine xmlns="" xmlns:a14="http://schemas.microsoft.com/office/drawing/2010/main" w="9525">
+                <a14:hiddenLine xmlns:a14="http://schemas.microsoft.com/office/drawing/2010/main" xmlns="" w="9525">
                   <a:solidFill>
                     <a:srgbClr val="000000"/>
                   </a:solidFill>
@@ -3976,7 +3976,7 @@
             </a:ln>
             <a:extLst>
               <a:ext uri="{91240B29-F687-4f45-9708-019B960494DF}">
-                <a14:hiddenLine xmlns="" xmlns:a14="http://schemas.microsoft.com/office/drawing/2010/main" w="9525">
+                <a14:hiddenLine xmlns:a14="http://schemas.microsoft.com/office/drawing/2010/main" xmlns="" w="9525">
                   <a:solidFill>
                     <a:srgbClr val="000000"/>
                   </a:solidFill>
@@ -4041,7 +4041,7 @@
             </a:ln>
             <a:extLst>
               <a:ext uri="{91240B29-F687-4f45-9708-019B960494DF}">
-                <a14:hiddenLine xmlns="" xmlns:a14="http://schemas.microsoft.com/office/drawing/2010/main" w="9525">
+                <a14:hiddenLine xmlns:a14="http://schemas.microsoft.com/office/drawing/2010/main" xmlns="" w="9525">
                   <a:solidFill>
                     <a:srgbClr val="000000"/>
                   </a:solidFill>
@@ -4103,7 +4103,7 @@
             </a:ln>
             <a:extLst>
               <a:ext uri="{91240B29-F687-4f45-9708-019B960494DF}">
-                <a14:hiddenLine xmlns="" xmlns:a14="http://schemas.microsoft.com/office/drawing/2010/main" w="9525">
+                <a14:hiddenLine xmlns:a14="http://schemas.microsoft.com/office/drawing/2010/main" xmlns="" w="9525">
                   <a:solidFill>
                     <a:srgbClr val="000000"/>
                   </a:solidFill>
@@ -4193,7 +4193,7 @@
             </a:ln>
             <a:extLst>
               <a:ext uri="{91240B29-F687-4f45-9708-019B960494DF}">
-                <a14:hiddenLine xmlns="" xmlns:a14="http://schemas.microsoft.com/office/drawing/2010/main" w="9525">
+                <a14:hiddenLine xmlns:a14="http://schemas.microsoft.com/office/drawing/2010/main" xmlns="" w="9525">
                   <a:solidFill>
                     <a:srgbClr val="000000"/>
                   </a:solidFill>
@@ -4283,7 +4283,7 @@
             </a:ln>
             <a:extLst>
               <a:ext uri="{91240B29-F687-4f45-9708-019B960494DF}">
-                <a14:hiddenLine xmlns="" xmlns:a14="http://schemas.microsoft.com/office/drawing/2010/main" w="9525">
+                <a14:hiddenLine xmlns:a14="http://schemas.microsoft.com/office/drawing/2010/main" xmlns="" w="9525">
                   <a:solidFill>
                     <a:srgbClr val="000000"/>
                   </a:solidFill>
@@ -4345,7 +4345,7 @@
             </a:ln>
             <a:extLst>
               <a:ext uri="{91240B29-F687-4f45-9708-019B960494DF}">
-                <a14:hiddenLine xmlns="" xmlns:a14="http://schemas.microsoft.com/office/drawing/2010/main" w="9525">
+                <a14:hiddenLine xmlns:a14="http://schemas.microsoft.com/office/drawing/2010/main" xmlns="" w="9525">
                   <a:solidFill>
                     <a:srgbClr val="000000"/>
                   </a:solidFill>
@@ -4465,7 +4465,7 @@
             </a:ln>
             <a:extLst>
               <a:ext uri="{91240B29-F687-4f45-9708-019B960494DF}">
-                <a14:hiddenLine xmlns="" xmlns:a14="http://schemas.microsoft.com/office/drawing/2010/main" w="9525">
+                <a14:hiddenLine xmlns:a14="http://schemas.microsoft.com/office/drawing/2010/main" xmlns="" w="9525">
                   <a:solidFill>
                     <a:srgbClr val="000000"/>
                   </a:solidFill>
@@ -4533,7 +4533,7 @@
             </a:ln>
             <a:extLst>
               <a:ext uri="{91240B29-F687-4f45-9708-019B960494DF}">
-                <a14:hiddenLine xmlns="" xmlns:a14="http://schemas.microsoft.com/office/drawing/2010/main" w="9525">
+                <a14:hiddenLine xmlns:a14="http://schemas.microsoft.com/office/drawing/2010/main" xmlns="" w="9525">
                   <a:solidFill>
                     <a:srgbClr val="000000"/>
                   </a:solidFill>
@@ -4623,7 +4623,7 @@
             </a:ln>
             <a:extLst>
               <a:ext uri="{91240B29-F687-4f45-9708-019B960494DF}">
-                <a14:hiddenLine xmlns="" xmlns:a14="http://schemas.microsoft.com/office/drawing/2010/main" w="9525">
+                <a14:hiddenLine xmlns:a14="http://schemas.microsoft.com/office/drawing/2010/main" xmlns="" w="9525">
                   <a:solidFill>
                     <a:srgbClr val="000000"/>
                   </a:solidFill>
@@ -4763,7 +4763,7 @@
           <a:p>
             <a:fld id="{348D1148-AA36-4684-835C-5806DCFCF7AA}" type="datetimeFigureOut">
               <a:rPr lang="ru-RU" smtClean="0"/>
-              <a:t>30.01.2022</a:t>
+              <a:t>31.01.2022</a:t>
             </a:fld>
             <a:endParaRPr lang="ru-RU"/>
           </a:p>
@@ -5030,7 +5030,7 @@
           <a:p>
             <a:fld id="{348D1148-AA36-4684-835C-5806DCFCF7AA}" type="datetimeFigureOut">
               <a:rPr lang="ru-RU" smtClean="0"/>
-              <a:t>30.01.2022</a:t>
+              <a:t>31.01.2022</a:t>
             </a:fld>
             <a:endParaRPr lang="ru-RU"/>
           </a:p>
@@ -5226,7 +5226,7 @@
           <a:p>
             <a:fld id="{348D1148-AA36-4684-835C-5806DCFCF7AA}" type="datetimeFigureOut">
               <a:rPr lang="ru-RU" smtClean="0"/>
-              <a:t>30.01.2022</a:t>
+              <a:t>31.01.2022</a:t>
             </a:fld>
             <a:endParaRPr lang="ru-RU"/>
           </a:p>
@@ -5489,7 +5489,7 @@
           <a:p>
             <a:fld id="{348D1148-AA36-4684-835C-5806DCFCF7AA}" type="datetimeFigureOut">
               <a:rPr lang="ru-RU" smtClean="0"/>
-              <a:t>30.01.2022</a:t>
+              <a:t>31.01.2022</a:t>
             </a:fld>
             <a:endParaRPr lang="ru-RU"/>
           </a:p>
@@ -5923,7 +5923,7 @@
           <a:p>
             <a:fld id="{348D1148-AA36-4684-835C-5806DCFCF7AA}" type="datetimeFigureOut">
               <a:rPr lang="ru-RU" smtClean="0"/>
-              <a:t>30.01.2022</a:t>
+              <a:t>31.01.2022</a:t>
             </a:fld>
             <a:endParaRPr lang="ru-RU"/>
           </a:p>
@@ -6469,7 +6469,7 @@
           <a:p>
             <a:fld id="{348D1148-AA36-4684-835C-5806DCFCF7AA}" type="datetimeFigureOut">
               <a:rPr lang="ru-RU" smtClean="0"/>
-              <a:t>30.01.2022</a:t>
+              <a:t>31.01.2022</a:t>
             </a:fld>
             <a:endParaRPr lang="ru-RU"/>
           </a:p>
@@ -7189,7 +7189,7 @@
           <a:p>
             <a:fld id="{348D1148-AA36-4684-835C-5806DCFCF7AA}" type="datetimeFigureOut">
               <a:rPr lang="ru-RU" smtClean="0"/>
-              <a:t>30.01.2022</a:t>
+              <a:t>31.01.2022</a:t>
             </a:fld>
             <a:endParaRPr lang="ru-RU"/>
           </a:p>
@@ -7359,7 +7359,7 @@
           <a:p>
             <a:fld id="{348D1148-AA36-4684-835C-5806DCFCF7AA}" type="datetimeFigureOut">
               <a:rPr lang="ru-RU" smtClean="0"/>
-              <a:t>30.01.2022</a:t>
+              <a:t>31.01.2022</a:t>
             </a:fld>
             <a:endParaRPr lang="ru-RU"/>
           </a:p>
@@ -7539,7 +7539,7 @@
           <a:p>
             <a:fld id="{348D1148-AA36-4684-835C-5806DCFCF7AA}" type="datetimeFigureOut">
               <a:rPr lang="ru-RU" smtClean="0"/>
-              <a:t>30.01.2022</a:t>
+              <a:t>31.01.2022</a:t>
             </a:fld>
             <a:endParaRPr lang="ru-RU"/>
           </a:p>
@@ -7709,7 +7709,7 @@
           <a:p>
             <a:fld id="{348D1148-AA36-4684-835C-5806DCFCF7AA}" type="datetimeFigureOut">
               <a:rPr lang="ru-RU" smtClean="0"/>
-              <a:t>30.01.2022</a:t>
+              <a:t>31.01.2022</a:t>
             </a:fld>
             <a:endParaRPr lang="ru-RU"/>
           </a:p>
@@ -7959,7 +7959,7 @@
           <a:p>
             <a:fld id="{348D1148-AA36-4684-835C-5806DCFCF7AA}" type="datetimeFigureOut">
               <a:rPr lang="ru-RU" smtClean="0"/>
-              <a:t>30.01.2022</a:t>
+              <a:t>31.01.2022</a:t>
             </a:fld>
             <a:endParaRPr lang="ru-RU"/>
           </a:p>
@@ -8191,7 +8191,7 @@
           <a:p>
             <a:fld id="{348D1148-AA36-4684-835C-5806DCFCF7AA}" type="datetimeFigureOut">
               <a:rPr lang="ru-RU" smtClean="0"/>
-              <a:t>30.01.2022</a:t>
+              <a:t>31.01.2022</a:t>
             </a:fld>
             <a:endParaRPr lang="ru-RU"/>
           </a:p>
@@ -8572,7 +8572,7 @@
           <a:p>
             <a:fld id="{348D1148-AA36-4684-835C-5806DCFCF7AA}" type="datetimeFigureOut">
               <a:rPr lang="ru-RU" smtClean="0"/>
-              <a:t>30.01.2022</a:t>
+              <a:t>31.01.2022</a:t>
             </a:fld>
             <a:endParaRPr lang="ru-RU"/>
           </a:p>
@@ -8690,7 +8690,7 @@
           <a:p>
             <a:fld id="{348D1148-AA36-4684-835C-5806DCFCF7AA}" type="datetimeFigureOut">
               <a:rPr lang="ru-RU" smtClean="0"/>
-              <a:t>30.01.2022</a:t>
+              <a:t>31.01.2022</a:t>
             </a:fld>
             <a:endParaRPr lang="ru-RU"/>
           </a:p>
@@ -8785,7 +8785,7 @@
           <a:p>
             <a:fld id="{348D1148-AA36-4684-835C-5806DCFCF7AA}" type="datetimeFigureOut">
               <a:rPr lang="ru-RU" smtClean="0"/>
-              <a:t>30.01.2022</a:t>
+              <a:t>31.01.2022</a:t>
             </a:fld>
             <a:endParaRPr lang="ru-RU"/>
           </a:p>
@@ -9034,7 +9034,7 @@
           <a:p>
             <a:fld id="{348D1148-AA36-4684-835C-5806DCFCF7AA}" type="datetimeFigureOut">
               <a:rPr lang="ru-RU" smtClean="0"/>
-              <a:t>30.01.2022</a:t>
+              <a:t>31.01.2022</a:t>
             </a:fld>
             <a:endParaRPr lang="ru-RU"/>
           </a:p>
@@ -9314,7 +9314,7 @@
           <a:p>
             <a:fld id="{348D1148-AA36-4684-835C-5806DCFCF7AA}" type="datetimeFigureOut">
               <a:rPr lang="ru-RU" smtClean="0"/>
-              <a:t>30.01.2022</a:t>
+              <a:t>31.01.2022</a:t>
             </a:fld>
             <a:endParaRPr lang="ru-RU"/>
           </a:p>
@@ -9437,7 +9437,7 @@
           <a:noFill/>
           <a:extLst>
             <a:ext uri="{909E8E84-426E-40dd-AFC4-6F175D3DCCD1}">
-              <a14:hiddenFill xmlns="" xmlns:a14="http://schemas.microsoft.com/office/drawing/2010/main">
+              <a14:hiddenFill xmlns:a14="http://schemas.microsoft.com/office/drawing/2010/main" xmlns="">
                 <a:solidFill>
                   <a:srgbClr val="FFFFFF"/>
                 </a:solidFill>
@@ -9511,7 +9511,7 @@
               </a:ln>
               <a:extLst>
                 <a:ext uri="{91240B29-F687-4f45-9708-019B960494DF}">
-                  <a14:hiddenLine xmlns="" xmlns:a14="http://schemas.microsoft.com/office/drawing/2010/main" w="9525">
+                  <a14:hiddenLine xmlns:a14="http://schemas.microsoft.com/office/drawing/2010/main" xmlns="" w="9525">
                     <a:solidFill>
                       <a:srgbClr val="000000"/>
                     </a:solidFill>
@@ -9601,7 +9601,7 @@
               </a:ln>
               <a:extLst>
                 <a:ext uri="{91240B29-F687-4f45-9708-019B960494DF}">
-                  <a14:hiddenLine xmlns="" xmlns:a14="http://schemas.microsoft.com/office/drawing/2010/main" w="9525">
+                  <a14:hiddenLine xmlns:a14="http://schemas.microsoft.com/office/drawing/2010/main" xmlns="" w="9525">
                     <a:solidFill>
                       <a:srgbClr val="000000"/>
                     </a:solidFill>
@@ -9691,7 +9691,7 @@
               </a:ln>
               <a:extLst>
                 <a:ext uri="{91240B29-F687-4f45-9708-019B960494DF}">
-                  <a14:hiddenLine xmlns="" xmlns:a14="http://schemas.microsoft.com/office/drawing/2010/main" w="9525">
+                  <a14:hiddenLine xmlns:a14="http://schemas.microsoft.com/office/drawing/2010/main" xmlns="" w="9525">
                     <a:solidFill>
                       <a:srgbClr val="000000"/>
                     </a:solidFill>
@@ -9753,7 +9753,7 @@
               </a:ln>
               <a:extLst>
                 <a:ext uri="{91240B29-F687-4f45-9708-019B960494DF}">
-                  <a14:hiddenLine xmlns="" xmlns:a14="http://schemas.microsoft.com/office/drawing/2010/main" w="9525">
+                  <a14:hiddenLine xmlns:a14="http://schemas.microsoft.com/office/drawing/2010/main" xmlns="" w="9525">
                     <a:solidFill>
                       <a:srgbClr val="000000"/>
                     </a:solidFill>
@@ -9843,7 +9843,7 @@
               </a:ln>
               <a:extLst>
                 <a:ext uri="{91240B29-F687-4f45-9708-019B960494DF}">
-                  <a14:hiddenLine xmlns="" xmlns:a14="http://schemas.microsoft.com/office/drawing/2010/main" w="9525">
+                  <a14:hiddenLine xmlns:a14="http://schemas.microsoft.com/office/drawing/2010/main" xmlns="" w="9525">
                     <a:solidFill>
                       <a:srgbClr val="000000"/>
                     </a:solidFill>
@@ -9905,7 +9905,7 @@
               </a:ln>
               <a:extLst>
                 <a:ext uri="{91240B29-F687-4f45-9708-019B960494DF}">
-                  <a14:hiddenLine xmlns="" xmlns:a14="http://schemas.microsoft.com/office/drawing/2010/main" w="9525">
+                  <a14:hiddenLine xmlns:a14="http://schemas.microsoft.com/office/drawing/2010/main" xmlns="" w="9525">
                     <a:solidFill>
                       <a:srgbClr val="000000"/>
                     </a:solidFill>
@@ -9967,7 +9967,7 @@
               </a:ln>
               <a:extLst>
                 <a:ext uri="{91240B29-F687-4f45-9708-019B960494DF}">
-                  <a14:hiddenLine xmlns="" xmlns:a14="http://schemas.microsoft.com/office/drawing/2010/main" w="9525">
+                  <a14:hiddenLine xmlns:a14="http://schemas.microsoft.com/office/drawing/2010/main" xmlns="" w="9525">
                     <a:solidFill>
                       <a:srgbClr val="000000"/>
                     </a:solidFill>
@@ -10057,7 +10057,7 @@
               </a:ln>
               <a:extLst>
                 <a:ext uri="{91240B29-F687-4f45-9708-019B960494DF}">
-                  <a14:hiddenLine xmlns="" xmlns:a14="http://schemas.microsoft.com/office/drawing/2010/main" w="9525">
+                  <a14:hiddenLine xmlns:a14="http://schemas.microsoft.com/office/drawing/2010/main" xmlns="" w="9525">
                     <a:solidFill>
                       <a:srgbClr val="000000"/>
                     </a:solidFill>
@@ -10147,7 +10147,7 @@
               </a:ln>
               <a:extLst>
                 <a:ext uri="{91240B29-F687-4f45-9708-019B960494DF}">
-                  <a14:hiddenLine xmlns="" xmlns:a14="http://schemas.microsoft.com/office/drawing/2010/main" w="9525">
+                  <a14:hiddenLine xmlns:a14="http://schemas.microsoft.com/office/drawing/2010/main" xmlns="" w="9525">
                     <a:solidFill>
                       <a:srgbClr val="000000"/>
                     </a:solidFill>
@@ -10209,7 +10209,7 @@
               </a:ln>
               <a:extLst>
                 <a:ext uri="{91240B29-F687-4f45-9708-019B960494DF}">
-                  <a14:hiddenLine xmlns="" xmlns:a14="http://schemas.microsoft.com/office/drawing/2010/main" w="9525">
+                  <a14:hiddenLine xmlns:a14="http://schemas.microsoft.com/office/drawing/2010/main" xmlns="" w="9525">
                     <a:solidFill>
                       <a:srgbClr val="000000"/>
                     </a:solidFill>
@@ -10319,7 +10319,7 @@
               </a:ln>
               <a:extLst>
                 <a:ext uri="{91240B29-F687-4f45-9708-019B960494DF}">
-                  <a14:hiddenLine xmlns="" xmlns:a14="http://schemas.microsoft.com/office/drawing/2010/main" w="9525">
+                  <a14:hiddenLine xmlns:a14="http://schemas.microsoft.com/office/drawing/2010/main" xmlns="" w="9525">
                     <a:solidFill>
                       <a:srgbClr val="000000"/>
                     </a:solidFill>
@@ -10403,7 +10403,7 @@
               </a:ln>
               <a:extLst>
                 <a:ext uri="{91240B29-F687-4f45-9708-019B960494DF}">
-                  <a14:hiddenLine xmlns="" xmlns:a14="http://schemas.microsoft.com/office/drawing/2010/main" w="9525">
+                  <a14:hiddenLine xmlns:a14="http://schemas.microsoft.com/office/drawing/2010/main" xmlns="" w="9525">
                     <a:solidFill>
                       <a:srgbClr val="000000"/>
                     </a:solidFill>
@@ -10465,7 +10465,7 @@
               </a:ln>
               <a:extLst>
                 <a:ext uri="{91240B29-F687-4f45-9708-019B960494DF}">
-                  <a14:hiddenLine xmlns="" xmlns:a14="http://schemas.microsoft.com/office/drawing/2010/main" w="9525">
+                  <a14:hiddenLine xmlns:a14="http://schemas.microsoft.com/office/drawing/2010/main" xmlns="" w="9525">
                     <a:solidFill>
                       <a:srgbClr val="000000"/>
                     </a:solidFill>
@@ -10527,7 +10527,7 @@
               </a:ln>
               <a:extLst>
                 <a:ext uri="{91240B29-F687-4f45-9708-019B960494DF}">
-                  <a14:hiddenLine xmlns="" xmlns:a14="http://schemas.microsoft.com/office/drawing/2010/main" w="9525">
+                  <a14:hiddenLine xmlns:a14="http://schemas.microsoft.com/office/drawing/2010/main" xmlns="" w="9525">
                     <a:solidFill>
                       <a:srgbClr val="000000"/>
                     </a:solidFill>
@@ -10617,7 +10617,7 @@
               </a:ln>
               <a:extLst>
                 <a:ext uri="{91240B29-F687-4f45-9708-019B960494DF}">
-                  <a14:hiddenLine xmlns="" xmlns:a14="http://schemas.microsoft.com/office/drawing/2010/main" w="9525">
+                  <a14:hiddenLine xmlns:a14="http://schemas.microsoft.com/office/drawing/2010/main" xmlns="" w="9525">
                     <a:solidFill>
                       <a:srgbClr val="000000"/>
                     </a:solidFill>
@@ -10651,7 +10651,7 @@
               </a:ln>
               <a:extLst>
                 <a:ext uri="{91240B29-F687-4f45-9708-019B960494DF}">
-                  <a14:hiddenLine xmlns="" xmlns:a14="http://schemas.microsoft.com/office/drawing/2010/main" w="9525">
+                  <a14:hiddenLine xmlns:a14="http://schemas.microsoft.com/office/drawing/2010/main" xmlns="" w="9525">
                     <a:solidFill>
                       <a:srgbClr val="000000"/>
                     </a:solidFill>
@@ -10716,7 +10716,7 @@
               </a:ln>
               <a:extLst>
                 <a:ext uri="{91240B29-F687-4f45-9708-019B960494DF}">
-                  <a14:hiddenLine xmlns="" xmlns:a14="http://schemas.microsoft.com/office/drawing/2010/main" w="9525">
+                  <a14:hiddenLine xmlns:a14="http://schemas.microsoft.com/office/drawing/2010/main" xmlns="" w="9525">
                     <a:solidFill>
                       <a:srgbClr val="000000"/>
                     </a:solidFill>
@@ -10806,7 +10806,7 @@
               </a:ln>
               <a:extLst>
                 <a:ext uri="{91240B29-F687-4f45-9708-019B960494DF}">
-                  <a14:hiddenLine xmlns="" xmlns:a14="http://schemas.microsoft.com/office/drawing/2010/main" w="9525">
+                  <a14:hiddenLine xmlns:a14="http://schemas.microsoft.com/office/drawing/2010/main" xmlns="" w="9525">
                     <a:solidFill>
                       <a:srgbClr val="000000"/>
                     </a:solidFill>
@@ -10868,7 +10868,7 @@
               </a:ln>
               <a:extLst>
                 <a:ext uri="{91240B29-F687-4f45-9708-019B960494DF}">
-                  <a14:hiddenLine xmlns="" xmlns:a14="http://schemas.microsoft.com/office/drawing/2010/main" w="9525">
+                  <a14:hiddenLine xmlns:a14="http://schemas.microsoft.com/office/drawing/2010/main" xmlns="" w="9525">
                     <a:solidFill>
                       <a:srgbClr val="000000"/>
                     </a:solidFill>
@@ -10958,7 +10958,7 @@
               </a:ln>
               <a:extLst>
                 <a:ext uri="{91240B29-F687-4f45-9708-019B960494DF}">
-                  <a14:hiddenLine xmlns="" xmlns:a14="http://schemas.microsoft.com/office/drawing/2010/main" w="9525">
+                  <a14:hiddenLine xmlns:a14="http://schemas.microsoft.com/office/drawing/2010/main" xmlns="" w="9525">
                     <a:solidFill>
                       <a:srgbClr val="000000"/>
                     </a:solidFill>
@@ -11023,7 +11023,7 @@
               </a:ln>
               <a:extLst>
                 <a:ext uri="{91240B29-F687-4f45-9708-019B960494DF}">
-                  <a14:hiddenLine xmlns="" xmlns:a14="http://schemas.microsoft.com/office/drawing/2010/main" w="9525">
+                  <a14:hiddenLine xmlns:a14="http://schemas.microsoft.com/office/drawing/2010/main" xmlns="" w="9525">
                     <a:solidFill>
                       <a:srgbClr val="000000"/>
                     </a:solidFill>
@@ -11085,7 +11085,7 @@
               </a:ln>
               <a:extLst>
                 <a:ext uri="{91240B29-F687-4f45-9708-019B960494DF}">
-                  <a14:hiddenLine xmlns="" xmlns:a14="http://schemas.microsoft.com/office/drawing/2010/main" w="9525">
+                  <a14:hiddenLine xmlns:a14="http://schemas.microsoft.com/office/drawing/2010/main" xmlns="" w="9525">
                     <a:solidFill>
                       <a:srgbClr val="000000"/>
                     </a:solidFill>
@@ -11175,7 +11175,7 @@
               </a:ln>
               <a:extLst>
                 <a:ext uri="{91240B29-F687-4f45-9708-019B960494DF}">
-                  <a14:hiddenLine xmlns="" xmlns:a14="http://schemas.microsoft.com/office/drawing/2010/main" w="9525">
+                  <a14:hiddenLine xmlns:a14="http://schemas.microsoft.com/office/drawing/2010/main" xmlns="" w="9525">
                     <a:solidFill>
                       <a:srgbClr val="000000"/>
                     </a:solidFill>
@@ -11265,7 +11265,7 @@
               </a:ln>
               <a:extLst>
                 <a:ext uri="{91240B29-F687-4f45-9708-019B960494DF}">
-                  <a14:hiddenLine xmlns="" xmlns:a14="http://schemas.microsoft.com/office/drawing/2010/main" w="9525">
+                  <a14:hiddenLine xmlns:a14="http://schemas.microsoft.com/office/drawing/2010/main" xmlns="" w="9525">
                     <a:solidFill>
                       <a:srgbClr val="000000"/>
                     </a:solidFill>
@@ -11330,7 +11330,7 @@
               </a:ln>
               <a:extLst>
                 <a:ext uri="{91240B29-F687-4f45-9708-019B960494DF}">
-                  <a14:hiddenLine xmlns="" xmlns:a14="http://schemas.microsoft.com/office/drawing/2010/main" w="9525">
+                  <a14:hiddenLine xmlns:a14="http://schemas.microsoft.com/office/drawing/2010/main" xmlns="" w="9525">
                     <a:solidFill>
                       <a:srgbClr val="000000"/>
                     </a:solidFill>
@@ -11450,7 +11450,7 @@
               </a:ln>
               <a:extLst>
                 <a:ext uri="{91240B29-F687-4f45-9708-019B960494DF}">
-                  <a14:hiddenLine xmlns="" xmlns:a14="http://schemas.microsoft.com/office/drawing/2010/main" w="9525">
+                  <a14:hiddenLine xmlns:a14="http://schemas.microsoft.com/office/drawing/2010/main" xmlns="" w="9525">
                     <a:solidFill>
                       <a:srgbClr val="000000"/>
                     </a:solidFill>
@@ -11531,7 +11531,7 @@
               </a:ln>
               <a:extLst>
                 <a:ext uri="{91240B29-F687-4f45-9708-019B960494DF}">
-                  <a14:hiddenLine xmlns="" xmlns:a14="http://schemas.microsoft.com/office/drawing/2010/main" w="9525">
+                  <a14:hiddenLine xmlns:a14="http://schemas.microsoft.com/office/drawing/2010/main" xmlns="" w="9525">
                     <a:solidFill>
                       <a:srgbClr val="000000"/>
                     </a:solidFill>
@@ -11646,7 +11646,7 @@
               </a:ln>
               <a:extLst>
                 <a:ext uri="{91240B29-F687-4f45-9708-019B960494DF}">
-                  <a14:hiddenLine xmlns="" xmlns:a14="http://schemas.microsoft.com/office/drawing/2010/main" w="9525">
+                  <a14:hiddenLine xmlns:a14="http://schemas.microsoft.com/office/drawing/2010/main" xmlns="" w="9525">
                     <a:solidFill>
                       <a:srgbClr val="000000"/>
                     </a:solidFill>
@@ -11736,7 +11736,7 @@
               </a:ln>
               <a:extLst>
                 <a:ext uri="{91240B29-F687-4f45-9708-019B960494DF}">
-                  <a14:hiddenLine xmlns="" xmlns:a14="http://schemas.microsoft.com/office/drawing/2010/main" w="9525">
+                  <a14:hiddenLine xmlns:a14="http://schemas.microsoft.com/office/drawing/2010/main" xmlns="" w="9525">
                     <a:solidFill>
                       <a:srgbClr val="000000"/>
                     </a:solidFill>
@@ -11801,7 +11801,7 @@
               </a:ln>
               <a:extLst>
                 <a:ext uri="{91240B29-F687-4f45-9708-019B960494DF}">
-                  <a14:hiddenLine xmlns="" xmlns:a14="http://schemas.microsoft.com/office/drawing/2010/main" w="9525">
+                  <a14:hiddenLine xmlns:a14="http://schemas.microsoft.com/office/drawing/2010/main" xmlns="" w="9525">
                     <a:solidFill>
                       <a:srgbClr val="000000"/>
                     </a:solidFill>
@@ -11891,7 +11891,7 @@
               </a:ln>
               <a:extLst>
                 <a:ext uri="{91240B29-F687-4f45-9708-019B960494DF}">
-                  <a14:hiddenLine xmlns="" xmlns:a14="http://schemas.microsoft.com/office/drawing/2010/main" w="9525">
+                  <a14:hiddenLine xmlns:a14="http://schemas.microsoft.com/office/drawing/2010/main" xmlns="" w="9525">
                     <a:solidFill>
                       <a:srgbClr val="000000"/>
                     </a:solidFill>
@@ -11959,7 +11959,7 @@
               </a:ln>
               <a:extLst>
                 <a:ext uri="{91240B29-F687-4f45-9708-019B960494DF}">
-                  <a14:hiddenLine xmlns="" xmlns:a14="http://schemas.microsoft.com/office/drawing/2010/main" w="9525">
+                  <a14:hiddenLine xmlns:a14="http://schemas.microsoft.com/office/drawing/2010/main" xmlns="" w="9525">
                     <a:solidFill>
                       <a:srgbClr val="000000"/>
                     </a:solidFill>
@@ -12049,7 +12049,7 @@
               </a:ln>
               <a:extLst>
                 <a:ext uri="{91240B29-F687-4f45-9708-019B960494DF}">
-                  <a14:hiddenLine xmlns="" xmlns:a14="http://schemas.microsoft.com/office/drawing/2010/main" w="9525">
+                  <a14:hiddenLine xmlns:a14="http://schemas.microsoft.com/office/drawing/2010/main" xmlns="" w="9525">
                     <a:solidFill>
                       <a:srgbClr val="000000"/>
                     </a:solidFill>
@@ -12117,7 +12117,7 @@
               </a:ln>
               <a:extLst>
                 <a:ext uri="{91240B29-F687-4f45-9708-019B960494DF}">
-                  <a14:hiddenLine xmlns="" xmlns:a14="http://schemas.microsoft.com/office/drawing/2010/main" w="9525">
+                  <a14:hiddenLine xmlns:a14="http://schemas.microsoft.com/office/drawing/2010/main" xmlns="" w="9525">
                     <a:solidFill>
                       <a:srgbClr val="000000"/>
                     </a:solidFill>
@@ -12207,7 +12207,7 @@
               </a:ln>
               <a:extLst>
                 <a:ext uri="{91240B29-F687-4f45-9708-019B960494DF}">
-                  <a14:hiddenLine xmlns="" xmlns:a14="http://schemas.microsoft.com/office/drawing/2010/main" w="9525">
+                  <a14:hiddenLine xmlns:a14="http://schemas.microsoft.com/office/drawing/2010/main" xmlns="" w="9525">
                     <a:solidFill>
                       <a:srgbClr val="000000"/>
                     </a:solidFill>
@@ -12241,7 +12241,7 @@
               </a:ln>
               <a:extLst>
                 <a:ext uri="{91240B29-F687-4f45-9708-019B960494DF}">
-                  <a14:hiddenLine xmlns="" xmlns:a14="http://schemas.microsoft.com/office/drawing/2010/main" w="9525">
+                  <a14:hiddenLine xmlns:a14="http://schemas.microsoft.com/office/drawing/2010/main" xmlns="" w="9525">
                     <a:solidFill>
                       <a:srgbClr val="000000"/>
                     </a:solidFill>
@@ -12381,7 +12381,7 @@
           <a:p>
             <a:fld id="{348D1148-AA36-4684-835C-5806DCFCF7AA}" type="datetimeFigureOut">
               <a:rPr lang="ru-RU" smtClean="0"/>
-              <a:t>30.01.2022</a:t>
+              <a:t>31.01.2022</a:t>
             </a:fld>
             <a:endParaRPr lang="ru-RU"/>
           </a:p>
@@ -14035,17 +14035,17 @@
                 <a:effectLst/>
                 <a:latin typeface="Consolas" panose="020B0609020204030204" pitchFamily="49" charset="0"/>
               </a:rPr>
-              <a:t>divisor = </a:t>
+              <a:t>dividend = </a:t>
             </a:r>
             <a:r>
               <a:rPr lang="en-US" sz="1800" b="0" dirty="0">
                 <a:solidFill>
-                  <a:srgbClr val="DCDCAA"/>
+                  <a:srgbClr val="4EC9B0"/>
                 </a:solidFill>
                 <a:effectLst/>
                 <a:latin typeface="Consolas" panose="020B0609020204030204" pitchFamily="49" charset="0"/>
               </a:rPr>
-              <a:t>input</a:t>
+              <a:t>int</a:t>
             </a:r>
             <a:r>
               <a:rPr lang="en-US" sz="1800" b="0" dirty="0">
@@ -14055,33 +14055,33 @@
                 <a:effectLst/>
                 <a:latin typeface="Consolas" panose="020B0609020204030204" pitchFamily="49" charset="0"/>
               </a:rPr>
-              <a:t>()</a:t>
-            </a:r>
-          </a:p>
-          <a:p>
-            <a:pPr marL="0" indent="0">
-              <a:buNone/>
-            </a:pPr>
+              <a:t>(</a:t>
+            </a:r>
             <a:r>
               <a:rPr lang="en-US" sz="1800" b="0" dirty="0">
                 <a:solidFill>
-                  <a:srgbClr val="D4D4D4"/>
+                  <a:srgbClr val="DCDCAA"/>
                 </a:solidFill>
                 <a:effectLst/>
                 <a:latin typeface="Consolas" panose="020B0609020204030204" pitchFamily="49" charset="0"/>
               </a:rPr>
-              <a:t>dividend = </a:t>
+              <a:t>input</a:t>
             </a:r>
             <a:r>
               <a:rPr lang="en-US" sz="1800" b="0" dirty="0">
                 <a:solidFill>
-                  <a:srgbClr val="DCDCAA"/>
+                  <a:srgbClr val="D4D4D4"/>
                 </a:solidFill>
                 <a:effectLst/>
                 <a:latin typeface="Consolas" panose="020B0609020204030204" pitchFamily="49" charset="0"/>
               </a:rPr>
-              <a:t>input</a:t>
-            </a:r>
+              <a:t>())</a:t>
+            </a:r>
+          </a:p>
+          <a:p>
+            <a:pPr marL="0" indent="0">
+              <a:buNone/>
+            </a:pPr>
             <a:r>
               <a:rPr lang="en-US" sz="1800" b="0" dirty="0">
                 <a:solidFill>
@@ -14090,7 +14090,47 @@
                 <a:effectLst/>
                 <a:latin typeface="Consolas" panose="020B0609020204030204" pitchFamily="49" charset="0"/>
               </a:rPr>
-              <a:t>()</a:t>
+              <a:t>divisor = </a:t>
+            </a:r>
+            <a:r>
+              <a:rPr lang="en-US" sz="1800" b="0" dirty="0">
+                <a:solidFill>
+                  <a:srgbClr val="4EC9B0"/>
+                </a:solidFill>
+                <a:effectLst/>
+                <a:latin typeface="Consolas" panose="020B0609020204030204" pitchFamily="49" charset="0"/>
+              </a:rPr>
+              <a:t>int</a:t>
+            </a:r>
+            <a:r>
+              <a:rPr lang="en-US" sz="1800" b="0" dirty="0">
+                <a:solidFill>
+                  <a:srgbClr val="D4D4D4"/>
+                </a:solidFill>
+                <a:effectLst/>
+                <a:latin typeface="Consolas" panose="020B0609020204030204" pitchFamily="49" charset="0"/>
+              </a:rPr>
+              <a:t>(</a:t>
+            </a:r>
+            <a:r>
+              <a:rPr lang="en-US" sz="1800" b="0" dirty="0">
+                <a:solidFill>
+                  <a:srgbClr val="DCDCAA"/>
+                </a:solidFill>
+                <a:effectLst/>
+                <a:latin typeface="Consolas" panose="020B0609020204030204" pitchFamily="49" charset="0"/>
+              </a:rPr>
+              <a:t>input</a:t>
+            </a:r>
+            <a:r>
+              <a:rPr lang="en-US" sz="1800" b="0" dirty="0">
+                <a:solidFill>
+                  <a:srgbClr val="D4D4D4"/>
+                </a:solidFill>
+                <a:effectLst/>
+                <a:latin typeface="Consolas" panose="020B0609020204030204" pitchFamily="49" charset="0"/>
+              </a:rPr>
+              <a:t>())</a:t>
             </a:r>
           </a:p>
           <a:p>
@@ -14124,7 +14164,7 @@
                 <a:effectLst/>
                 <a:latin typeface="Consolas" panose="020B0609020204030204" pitchFamily="49" charset="0"/>
               </a:rPr>
-              <a:t> divisor != </a:t>
+              <a:t> divisor == </a:t>
             </a:r>
             <a:r>
               <a:rPr lang="en-US" sz="1800" b="0" dirty="0">
@@ -14316,18 +14356,12 @@
               </a:rPr>
               <a:t>(quotient))</a:t>
             </a:r>
-            <a:endParaRPr lang="en-US" sz="1800" dirty="0">
-              <a:solidFill>
-                <a:srgbClr val="D4D4D4"/>
-              </a:solidFill>
-              <a:latin typeface="Consolas" panose="020B0609020204030204" pitchFamily="49" charset="0"/>
-            </a:endParaRPr>
           </a:p>
           <a:p>
             <a:pPr marL="0" indent="0">
               <a:buNone/>
             </a:pPr>
-            <a:endParaRPr lang="en-US" sz="1800" b="0" dirty="0">
+            <a:endParaRPr lang="en-US" sz="1400" b="0" dirty="0">
               <a:solidFill>
                 <a:srgbClr val="D4D4D4"/>
               </a:solidFill>
